--- a/uploads/projectteam.pptx
+++ b/uploads/projectteam.pptx
@@ -6,7 +6,6 @@
   </p:sldMasterIdLst>
   <p:sldIdLst>
     <p:sldId id="267" r:id="rId2"/>
-    <p:sldId id="266" r:id="rId3"/>
   </p:sldIdLst>
   <p:sldSz cx="12192000" cy="6858000"/>
   <p:notesSz cx="6858000" cy="9144000"/>
@@ -251,29 +250,6 @@
     </pc:docChg>
   </pc:docChgLst>
   <pc:docChgLst>
-    <pc:chgData name="Majk Shkurti" userId="S::majk.shkurti@plan4better.de::4c0aa061-4769-4568-b2df-ecea1a5abb6e" providerId="AD" clId="Web-{3595C8C5-852F-4671-A5EF-C36C2A03D2D0}"/>
-    <pc:docChg chg="mod">
-      <pc:chgData name="Majk Shkurti" userId="S::majk.shkurti@plan4better.de::4c0aa061-4769-4568-b2df-ecea1a5abb6e" providerId="AD" clId="Web-{3595C8C5-852F-4671-A5EF-C36C2A03D2D0}" dt="2021-12-20T22:02:49.556" v="2"/>
-      <pc:docMkLst>
-        <pc:docMk/>
-      </pc:docMkLst>
-      <pc:sldChg chg="modCm">
-        <pc:chgData name="Majk Shkurti" userId="S::majk.shkurti@plan4better.de::4c0aa061-4769-4568-b2df-ecea1a5abb6e" providerId="AD" clId="Web-{3595C8C5-852F-4671-A5EF-C36C2A03D2D0}" dt="2021-12-20T22:01:16.158" v="1"/>
-        <pc:sldMkLst>
-          <pc:docMk/>
-          <pc:sldMk cId="1159059912" sldId="257"/>
-        </pc:sldMkLst>
-      </pc:sldChg>
-      <pc:sldChg chg="modCm">
-        <pc:chgData name="Majk Shkurti" userId="S::majk.shkurti@plan4better.de::4c0aa061-4769-4568-b2df-ecea1a5abb6e" providerId="AD" clId="Web-{3595C8C5-852F-4671-A5EF-C36C2A03D2D0}" dt="2021-12-20T22:02:49.556" v="2"/>
-        <pc:sldMkLst>
-          <pc:docMk/>
-          <pc:sldMk cId="546839377" sldId="265"/>
-        </pc:sldMkLst>
-      </pc:sldChg>
-    </pc:docChg>
-  </pc:docChgLst>
-  <pc:docChgLst>
     <pc:chgData name="Elias Pajares" userId="S::elias.pajares@plan4better.de::1dd28d3a-d4d5-4dfe-8832-84098f88290c" providerId="AD" clId="Web-{F1B0C5CA-83AE-E4F5-E20D-BBDE24C99F28}"/>
     <pc:docChg chg="addSld delSld modSld">
       <pc:chgData name="Elias Pajares" userId="S::elias.pajares@plan4better.de::1dd28d3a-d4d5-4dfe-8832-84098f88290c" providerId="AD" clId="Web-{F1B0C5CA-83AE-E4F5-E20D-BBDE24C99F28}" dt="2021-12-16T09:53:22.192" v="498" actId="20577"/>
@@ -439,6 +415,29 @@
             <ac:spMk id="3" creationId="{61C3C9C7-4814-4A01-894C-2794B729B94D}"/>
           </ac:spMkLst>
         </pc:spChg>
+      </pc:sldChg>
+    </pc:docChg>
+  </pc:docChgLst>
+  <pc:docChgLst>
+    <pc:chgData name="Majk Shkurti" userId="S::majk.shkurti@plan4better.de::4c0aa061-4769-4568-b2df-ecea1a5abb6e" providerId="AD" clId="Web-{3595C8C5-852F-4671-A5EF-C36C2A03D2D0}"/>
+    <pc:docChg chg="mod">
+      <pc:chgData name="Majk Shkurti" userId="S::majk.shkurti@plan4better.de::4c0aa061-4769-4568-b2df-ecea1a5abb6e" providerId="AD" clId="Web-{3595C8C5-852F-4671-A5EF-C36C2A03D2D0}" dt="2021-12-20T22:02:49.556" v="2"/>
+      <pc:docMkLst>
+        <pc:docMk/>
+      </pc:docMkLst>
+      <pc:sldChg chg="modCm">
+        <pc:chgData name="Majk Shkurti" userId="S::majk.shkurti@plan4better.de::4c0aa061-4769-4568-b2df-ecea1a5abb6e" providerId="AD" clId="Web-{3595C8C5-852F-4671-A5EF-C36C2A03D2D0}" dt="2021-12-20T22:01:16.158" v="1"/>
+        <pc:sldMkLst>
+          <pc:docMk/>
+          <pc:sldMk cId="1159059912" sldId="257"/>
+        </pc:sldMkLst>
+      </pc:sldChg>
+      <pc:sldChg chg="modCm">
+        <pc:chgData name="Majk Shkurti" userId="S::majk.shkurti@plan4better.de::4c0aa061-4769-4568-b2df-ecea1a5abb6e" providerId="AD" clId="Web-{3595C8C5-852F-4671-A5EF-C36C2A03D2D0}" dt="2021-12-20T22:02:49.556" v="2"/>
+        <pc:sldMkLst>
+          <pc:docMk/>
+          <pc:sldMk cId="546839377" sldId="265"/>
+        </pc:sldMkLst>
       </pc:sldChg>
     </pc:docChg>
   </pc:docChgLst>
@@ -847,7 +846,7 @@
 </pc:chgInfo>
 </file>
 
-<file path=ppt/comments/modernComment_104_C493F930.xml><?xml version="1.0" encoding="utf-8"?>
+<file path=ppt/comments/modernComment_10B_1CC0DFB4.xml><?xml version="1.0" encoding="utf-8"?>
 <p188:cmLst xmlns:a="http://schemas.openxmlformats.org/drawingml/2006/main" xmlns:r="http://schemas.openxmlformats.org/officeDocument/2006/relationships" xmlns:p188="http://schemas.microsoft.com/office/powerpoint/2018/8/main">
   <p188:cm id="{2B6F0675-EE1E-4860-AE9B-8E8D6B7F9885}" authorId="{BF46C6CA-7B8B-BAEB-6941-9D465D1955E4}" created="2021-12-20T20:55:07.099">
     <pc:sldMkLst xmlns:pc="http://schemas.microsoft.com/office/powerpoint/2013/main/command">
@@ -998,7 +997,7 @@
           <a:p>
             <a:fld id="{D3EB3054-B75A-4BD7-8B3E-8DC0F614FAF3}" type="datetimeFigureOut">
               <a:rPr lang="de-DE" smtClean="0"/>
-              <a:t>27.02.2022</a:t>
+              <a:t>30.05.2023</a:t>
             </a:fld>
             <a:endParaRPr lang="de-DE"/>
           </a:p>
@@ -1166,7 +1165,7 @@
           <a:p>
             <a:fld id="{D3EB3054-B75A-4BD7-8B3E-8DC0F614FAF3}" type="datetimeFigureOut">
               <a:rPr lang="de-DE" smtClean="0"/>
-              <a:t>27.02.2022</a:t>
+              <a:t>30.05.2023</a:t>
             </a:fld>
             <a:endParaRPr lang="de-DE"/>
           </a:p>
@@ -1344,7 +1343,7 @@
           <a:p>
             <a:fld id="{D3EB3054-B75A-4BD7-8B3E-8DC0F614FAF3}" type="datetimeFigureOut">
               <a:rPr lang="de-DE" smtClean="0"/>
-              <a:t>27.02.2022</a:t>
+              <a:t>30.05.2023</a:t>
             </a:fld>
             <a:endParaRPr lang="de-DE"/>
           </a:p>
@@ -1512,7 +1511,7 @@
           <a:p>
             <a:fld id="{D3EB3054-B75A-4BD7-8B3E-8DC0F614FAF3}" type="datetimeFigureOut">
               <a:rPr lang="de-DE" smtClean="0"/>
-              <a:t>27.02.2022</a:t>
+              <a:t>30.05.2023</a:t>
             </a:fld>
             <a:endParaRPr lang="de-DE"/>
           </a:p>
@@ -1757,7 +1756,7 @@
           <a:p>
             <a:fld id="{D3EB3054-B75A-4BD7-8B3E-8DC0F614FAF3}" type="datetimeFigureOut">
               <a:rPr lang="de-DE" smtClean="0"/>
-              <a:t>27.02.2022</a:t>
+              <a:t>30.05.2023</a:t>
             </a:fld>
             <a:endParaRPr lang="de-DE"/>
           </a:p>
@@ -1986,7 +1985,7 @@
           <a:p>
             <a:fld id="{D3EB3054-B75A-4BD7-8B3E-8DC0F614FAF3}" type="datetimeFigureOut">
               <a:rPr lang="de-DE" smtClean="0"/>
-              <a:t>27.02.2022</a:t>
+              <a:t>30.05.2023</a:t>
             </a:fld>
             <a:endParaRPr lang="de-DE"/>
           </a:p>
@@ -2350,7 +2349,7 @@
           <a:p>
             <a:fld id="{D3EB3054-B75A-4BD7-8B3E-8DC0F614FAF3}" type="datetimeFigureOut">
               <a:rPr lang="de-DE" smtClean="0"/>
-              <a:t>27.02.2022</a:t>
+              <a:t>30.05.2023</a:t>
             </a:fld>
             <a:endParaRPr lang="de-DE"/>
           </a:p>
@@ -2467,7 +2466,7 @@
           <a:p>
             <a:fld id="{D3EB3054-B75A-4BD7-8B3E-8DC0F614FAF3}" type="datetimeFigureOut">
               <a:rPr lang="de-DE" smtClean="0"/>
-              <a:t>27.02.2022</a:t>
+              <a:t>30.05.2023</a:t>
             </a:fld>
             <a:endParaRPr lang="de-DE"/>
           </a:p>
@@ -2562,7 +2561,7 @@
           <a:p>
             <a:fld id="{D3EB3054-B75A-4BD7-8B3E-8DC0F614FAF3}" type="datetimeFigureOut">
               <a:rPr lang="de-DE" smtClean="0"/>
-              <a:t>27.02.2022</a:t>
+              <a:t>30.05.2023</a:t>
             </a:fld>
             <a:endParaRPr lang="de-DE"/>
           </a:p>
@@ -2837,7 +2836,7 @@
           <a:p>
             <a:fld id="{D3EB3054-B75A-4BD7-8B3E-8DC0F614FAF3}" type="datetimeFigureOut">
               <a:rPr lang="de-DE" smtClean="0"/>
-              <a:t>27.02.2022</a:t>
+              <a:t>30.05.2023</a:t>
             </a:fld>
             <a:endParaRPr lang="de-DE"/>
           </a:p>
@@ -3089,7 +3088,7 @@
           <a:p>
             <a:fld id="{D3EB3054-B75A-4BD7-8B3E-8DC0F614FAF3}" type="datetimeFigureOut">
               <a:rPr lang="de-DE" smtClean="0"/>
-              <a:t>27.02.2022</a:t>
+              <a:t>30.05.2023</a:t>
             </a:fld>
             <a:endParaRPr lang="de-DE"/>
           </a:p>
@@ -3300,7 +3299,7 @@
           <a:p>
             <a:fld id="{D3EB3054-B75A-4BD7-8B3E-8DC0F614FAF3}" type="datetimeFigureOut">
               <a:rPr lang="de-DE" smtClean="0"/>
-              <a:t>27.02.2022</a:t>
+              <a:t>30.05.2023</a:t>
             </a:fld>
             <a:endParaRPr lang="de-DE"/>
           </a:p>
@@ -3769,7 +3768,7 @@
           <p:nvPr/>
         </p:nvPicPr>
         <p:blipFill>
-          <a:blip r:embed="rId2">
+          <a:blip r:embed="rId3">
             <a:clrChange>
               <a:clrFrom>
                 <a:srgbClr val="FFFFFF"/>
@@ -3797,42 +3796,6 @@
       </p:pic>
       <p:pic>
         <p:nvPicPr>
-          <p:cNvPr id="9" name="Grafik 9">
-            <a:extLst>
-              <a:ext uri="{FF2B5EF4-FFF2-40B4-BE49-F238E27FC236}">
-                <a16:creationId xmlns:a16="http://schemas.microsoft.com/office/drawing/2014/main" id="{048685AB-D7E9-4030-8B52-FF17203F93BA}"/>
-              </a:ext>
-            </a:extLst>
-          </p:cNvPr>
-          <p:cNvPicPr>
-            <a:picLocks noChangeAspect="1"/>
-          </p:cNvPicPr>
-          <p:nvPr/>
-        </p:nvPicPr>
-        <p:blipFill>
-          <a:blip r:embed="rId3">
-            <a:extLst>
-              <a:ext uri="{96DAC541-7B7A-43D3-8B79-37D633B846F1}">
-                <asvg:svgBlip xmlns="" xmlns:asvg="http://schemas.microsoft.com/office/drawing/2016/SVG/main" r:embed="rId6"/>
-              </a:ext>
-            </a:extLst>
-          </a:blip>
-          <a:stretch>
-            <a:fillRect/>
-          </a:stretch>
-        </p:blipFill>
-        <p:spPr>
-          <a:xfrm>
-            <a:off x="3743325" y="1475523"/>
-            <a:ext cx="1826418" cy="1325350"/>
-          </a:xfrm>
-          <a:prstGeom prst="rect">
-            <a:avLst/>
-          </a:prstGeom>
-        </p:spPr>
-      </p:pic>
-      <p:pic>
-        <p:nvPicPr>
           <p:cNvPr id="10" name="Grafik 10">
             <a:extLst>
               <a:ext uri="{FF2B5EF4-FFF2-40B4-BE49-F238E27FC236}">
@@ -3846,10 +3809,10 @@
           <p:nvPr/>
         </p:nvPicPr>
         <p:blipFill>
-          <a:blip r:embed="rId7">
+          <a:blip r:embed="rId4">
             <a:extLst>
               <a:ext uri="{96DAC541-7B7A-43D3-8B79-37D633B846F1}">
-                <asvg:svgBlip xmlns="" xmlns:asvg="http://schemas.microsoft.com/office/drawing/2016/SVG/main" r:embed="rId8"/>
+                <asvg:svgBlip xmlns:asvg="http://schemas.microsoft.com/office/drawing/2016/SVG/main" r:embed="rId5"/>
               </a:ext>
             </a:extLst>
           </a:blip>
@@ -3882,7 +3845,7 @@
           <p:nvPr/>
         </p:nvPicPr>
         <p:blipFill>
-          <a:blip r:embed="rId9">
+          <a:blip r:embed="rId6">
             <a:clrChange>
               <a:clrFrom>
                 <a:srgbClr val="FFFFFF"/>
@@ -3923,10 +3886,10 @@
           <p:nvPr/>
         </p:nvPicPr>
         <p:blipFill>
-          <a:blip r:embed="rId10">
+          <a:blip r:embed="rId7">
             <a:extLst>
               <a:ext uri="{96DAC541-7B7A-43D3-8B79-37D633B846F1}">
-                <asvg:svgBlip xmlns="" xmlns:asvg="http://schemas.microsoft.com/office/drawing/2016/SVG/main" r:embed="rId11"/>
+                <asvg:svgBlip xmlns:asvg="http://schemas.microsoft.com/office/drawing/2016/SVG/main" r:embed="rId8"/>
               </a:ext>
             </a:extLst>
           </a:blip>
@@ -3936,8 +3899,44 @@
         </p:blipFill>
         <p:spPr>
           <a:xfrm>
-            <a:off x="4195763" y="1659568"/>
+            <a:off x="4370784" y="1636943"/>
             <a:ext cx="3445668" cy="3445668"/>
+          </a:xfrm>
+          <a:prstGeom prst="rect">
+            <a:avLst/>
+          </a:prstGeom>
+        </p:spPr>
+      </p:pic>
+      <p:pic>
+        <p:nvPicPr>
+          <p:cNvPr id="3" name="Grafik 2" descr="Ein Bild, das Grafiken, Schrift, gelb, Logo enthält.&#10;&#10;Automatisch generierte Beschreibung">
+            <a:extLst>
+              <a:ext uri="{FF2B5EF4-FFF2-40B4-BE49-F238E27FC236}">
+                <a16:creationId xmlns:a16="http://schemas.microsoft.com/office/drawing/2014/main" id="{F619ACE4-5DCC-7EFE-1D88-CD0B5C82AF2B}"/>
+              </a:ext>
+            </a:extLst>
+          </p:cNvPr>
+          <p:cNvPicPr>
+            <a:picLocks noChangeAspect="1"/>
+          </p:cNvPicPr>
+          <p:nvPr/>
+        </p:nvPicPr>
+        <p:blipFill>
+          <a:blip r:embed="rId9" cstate="print">
+            <a:extLst>
+              <a:ext uri="{28A0092B-C50C-407E-A947-70E740481C1C}">
+                <a14:useLocalDpi xmlns:a14="http://schemas.microsoft.com/office/drawing/2010/main" val="0"/>
+              </a:ext>
+            </a:extLst>
+          </a:blip>
+          <a:stretch>
+            <a:fillRect/>
+          </a:stretch>
+        </p:blipFill>
+        <p:spPr>
+          <a:xfrm>
+            <a:off x="3171906" y="1330221"/>
+            <a:ext cx="2615640" cy="1091604"/>
           </a:xfrm>
           <a:prstGeom prst="rect">
             <a:avLst/>
@@ -3954,294 +3953,9 @@
   <p:clrMapOvr>
     <a:masterClrMapping/>
   </p:clrMapOvr>
-  <p:timing>
-    <p:tnLst>
-      <p:par>
-        <p:cTn id="1" dur="indefinite" restart="never" nodeType="tmRoot"/>
-      </p:par>
-    </p:tnLst>
-  </p:timing>
-  <p:extLst mod="1">
+  <p:extLst>
     <p:ext uri="{6950BFC3-D8DA-4A85-94F7-54DA5524770B}">
-      <p188:commentRel xmlns="" xmlns:p188="http://schemas.microsoft.com/office/powerpoint/2018/8/main" r:id="rId12"/>
-    </p:ext>
-  </p:extLst>
-</p:sld>
-</file>
-
-<file path=ppt/slides/slide2.xml><?xml version="1.0" encoding="utf-8"?>
-<p:sld xmlns:a="http://schemas.openxmlformats.org/drawingml/2006/main" xmlns:r="http://schemas.openxmlformats.org/officeDocument/2006/relationships" xmlns:p="http://schemas.openxmlformats.org/presentationml/2006/main">
-  <p:cSld>
-    <p:spTree>
-      <p:nvGrpSpPr>
-        <p:cNvPr id="1" name=""/>
-        <p:cNvGrpSpPr/>
-        <p:nvPr/>
-      </p:nvGrpSpPr>
-      <p:grpSpPr>
-        <a:xfrm>
-          <a:off x="0" y="0"/>
-          <a:ext cx="0" cy="0"/>
-          <a:chOff x="0" y="0"/>
-          <a:chExt cx="0" cy="0"/>
-        </a:xfrm>
-      </p:grpSpPr>
-      <p:sp>
-        <p:nvSpPr>
-          <p:cNvPr id="14" name="Rechteck 13"/>
-          <p:cNvSpPr/>
-          <p:nvPr/>
-        </p:nvSpPr>
-        <p:spPr>
-          <a:xfrm>
-            <a:off x="2610876" y="916619"/>
-            <a:ext cx="6965485" cy="4992415"/>
-          </a:xfrm>
-          <a:prstGeom prst="rect">
-            <a:avLst/>
-          </a:prstGeom>
-          <a:solidFill>
-            <a:srgbClr val="BEEDDC"/>
-          </a:solidFill>
-          <a:ln>
-            <a:noFill/>
-          </a:ln>
-        </p:spPr>
-        <p:style>
-          <a:lnRef idx="2">
-            <a:schemeClr val="accent1">
-              <a:shade val="50000"/>
-            </a:schemeClr>
-          </a:lnRef>
-          <a:fillRef idx="1">
-            <a:schemeClr val="accent1"/>
-          </a:fillRef>
-          <a:effectRef idx="0">
-            <a:schemeClr val="accent1"/>
-          </a:effectRef>
-          <a:fontRef idx="minor">
-            <a:schemeClr val="lt1"/>
-          </a:fontRef>
-        </p:style>
-        <p:txBody>
-          <a:bodyPr rtlCol="0" anchor="ctr"/>
-          <a:lstStyle/>
-          <a:p>
-            <a:pPr algn="ctr"/>
-            <a:endParaRPr lang="en-US"/>
-          </a:p>
-        </p:txBody>
-      </p:sp>
-      <p:pic>
-        <p:nvPicPr>
-          <p:cNvPr id="8" name="Grafik 8">
-            <a:extLst>
-              <a:ext uri="{FF2B5EF4-FFF2-40B4-BE49-F238E27FC236}">
-                <a16:creationId xmlns:a16="http://schemas.microsoft.com/office/drawing/2014/main" id="{E468A09B-E169-4297-9B3B-D29FEEAA0FA0}"/>
-              </a:ext>
-            </a:extLst>
-          </p:cNvPr>
-          <p:cNvPicPr>
-            <a:picLocks noChangeAspect="1"/>
-          </p:cNvPicPr>
-          <p:nvPr/>
-        </p:nvPicPr>
-        <p:blipFill>
-          <a:blip r:embed="rId2">
-            <a:clrChange>
-              <a:clrFrom>
-                <a:srgbClr val="FFFFFF"/>
-              </a:clrFrom>
-              <a:clrTo>
-                <a:srgbClr val="FFFFFF">
-                  <a:alpha val="0"/>
-                </a:srgbClr>
-              </a:clrTo>
-            </a:clrChange>
-          </a:blip>
-          <a:stretch>
-            <a:fillRect/>
-          </a:stretch>
-        </p:blipFill>
-        <p:spPr>
-          <a:xfrm>
-            <a:off x="6672263" y="4193888"/>
-            <a:ext cx="1921669" cy="710655"/>
-          </a:xfrm>
-          <a:prstGeom prst="rect">
-            <a:avLst/>
-          </a:prstGeom>
-        </p:spPr>
-      </p:pic>
-      <p:pic>
-        <p:nvPicPr>
-          <p:cNvPr id="9" name="Grafik 9">
-            <a:extLst>
-              <a:ext uri="{FF2B5EF4-FFF2-40B4-BE49-F238E27FC236}">
-                <a16:creationId xmlns:a16="http://schemas.microsoft.com/office/drawing/2014/main" id="{048685AB-D7E9-4030-8B52-FF17203F93BA}"/>
-              </a:ext>
-            </a:extLst>
-          </p:cNvPr>
-          <p:cNvPicPr>
-            <a:picLocks noChangeAspect="1"/>
-          </p:cNvPicPr>
-          <p:nvPr/>
-        </p:nvPicPr>
-        <p:blipFill>
-          <a:blip r:embed="rId3">
-            <a:extLst>
-              <a:ext uri="{96DAC541-7B7A-43D3-8B79-37D633B846F1}">
-                <asvg:svgBlip xmlns="" xmlns:asvg="http://schemas.microsoft.com/office/drawing/2016/SVG/main" r:embed="rId6"/>
-              </a:ext>
-            </a:extLst>
-          </a:blip>
-          <a:stretch>
-            <a:fillRect/>
-          </a:stretch>
-        </p:blipFill>
-        <p:spPr>
-          <a:xfrm>
-            <a:off x="3743325" y="1475523"/>
-            <a:ext cx="1826418" cy="1325350"/>
-          </a:xfrm>
-          <a:prstGeom prst="rect">
-            <a:avLst/>
-          </a:prstGeom>
-        </p:spPr>
-      </p:pic>
-      <p:pic>
-        <p:nvPicPr>
-          <p:cNvPr id="10" name="Grafik 10">
-            <a:extLst>
-              <a:ext uri="{FF2B5EF4-FFF2-40B4-BE49-F238E27FC236}">
-                <a16:creationId xmlns:a16="http://schemas.microsoft.com/office/drawing/2014/main" id="{5CD0A33B-8689-4FAF-B699-FF0B0F2AC6C2}"/>
-              </a:ext>
-            </a:extLst>
-          </p:cNvPr>
-          <p:cNvPicPr>
-            <a:picLocks noChangeAspect="1"/>
-          </p:cNvPicPr>
-          <p:nvPr/>
-        </p:nvPicPr>
-        <p:blipFill>
-          <a:blip r:embed="rId7">
-            <a:extLst>
-              <a:ext uri="{96DAC541-7B7A-43D3-8B79-37D633B846F1}">
-                <asvg:svgBlip xmlns="" xmlns:asvg="http://schemas.microsoft.com/office/drawing/2016/SVG/main" r:embed="rId8"/>
-              </a:ext>
-            </a:extLst>
-          </a:blip>
-          <a:stretch>
-            <a:fillRect/>
-          </a:stretch>
-        </p:blipFill>
-        <p:spPr>
-          <a:xfrm>
-            <a:off x="6667500" y="916619"/>
-            <a:ext cx="2681287" cy="2074067"/>
-          </a:xfrm>
-          <a:prstGeom prst="rect">
-            <a:avLst/>
-          </a:prstGeom>
-        </p:spPr>
-      </p:pic>
-      <p:pic>
-        <p:nvPicPr>
-          <p:cNvPr id="11" name="Grafik 11">
-            <a:extLst>
-              <a:ext uri="{FF2B5EF4-FFF2-40B4-BE49-F238E27FC236}">
-                <a16:creationId xmlns:a16="http://schemas.microsoft.com/office/drawing/2014/main" id="{CF36D00E-AB26-4D59-8305-1963BA528AC3}"/>
-              </a:ext>
-            </a:extLst>
-          </p:cNvPr>
-          <p:cNvPicPr>
-            <a:picLocks noChangeAspect="1"/>
-          </p:cNvPicPr>
-          <p:nvPr/>
-        </p:nvPicPr>
-        <p:blipFill>
-          <a:blip r:embed="rId9">
-            <a:clrChange>
-              <a:clrFrom>
-                <a:srgbClr val="FFFFFF"/>
-              </a:clrFrom>
-              <a:clrTo>
-                <a:srgbClr val="FFFFFF">
-                  <a:alpha val="0"/>
-                </a:srgbClr>
-              </a:clrTo>
-            </a:clrChange>
-          </a:blip>
-          <a:stretch>
-            <a:fillRect/>
-          </a:stretch>
-        </p:blipFill>
-        <p:spPr>
-          <a:xfrm>
-            <a:off x="3350419" y="4298311"/>
-            <a:ext cx="2743200" cy="1275713"/>
-          </a:xfrm>
-          <a:prstGeom prst="rect">
-            <a:avLst/>
-          </a:prstGeom>
-        </p:spPr>
-      </p:pic>
-      <p:pic>
-        <p:nvPicPr>
-          <p:cNvPr id="12" name="Grafik 12">
-            <a:extLst>
-              <a:ext uri="{FF2B5EF4-FFF2-40B4-BE49-F238E27FC236}">
-                <a16:creationId xmlns:a16="http://schemas.microsoft.com/office/drawing/2014/main" id="{B70F7917-1FF7-42D6-B34F-4E72462BD42E}"/>
-              </a:ext>
-            </a:extLst>
-          </p:cNvPr>
-          <p:cNvPicPr>
-            <a:picLocks noChangeAspect="1"/>
-          </p:cNvPicPr>
-          <p:nvPr/>
-        </p:nvPicPr>
-        <p:blipFill>
-          <a:blip r:embed="rId10">
-            <a:extLst>
-              <a:ext uri="{96DAC541-7B7A-43D3-8B79-37D633B846F1}">
-                <asvg:svgBlip xmlns="" xmlns:asvg="http://schemas.microsoft.com/office/drawing/2016/SVG/main" r:embed="rId11"/>
-              </a:ext>
-            </a:extLst>
-          </a:blip>
-          <a:stretch>
-            <a:fillRect/>
-          </a:stretch>
-        </p:blipFill>
-        <p:spPr>
-          <a:xfrm>
-            <a:off x="4195763" y="1659568"/>
-            <a:ext cx="3445668" cy="3445668"/>
-          </a:xfrm>
-          <a:prstGeom prst="rect">
-            <a:avLst/>
-          </a:prstGeom>
-        </p:spPr>
-      </p:pic>
-    </p:spTree>
-    <p:extLst>
-      <p:ext uri="{BB962C8B-B14F-4D97-AF65-F5344CB8AC3E}">
-        <p14:creationId xmlns:p14="http://schemas.microsoft.com/office/powerpoint/2010/main" val="2722815070"/>
-      </p:ext>
-    </p:extLst>
-  </p:cSld>
-  <p:clrMapOvr>
-    <a:masterClrMapping/>
-  </p:clrMapOvr>
-  <p:timing>
-    <p:tnLst>
-      <p:par>
-        <p:cTn id="1" dur="indefinite" restart="never" nodeType="tmRoot"/>
-      </p:par>
-    </p:tnLst>
-  </p:timing>
-  <p:extLst mod="1">
-    <p:ext uri="{6950BFC3-D8DA-4A85-94F7-54DA5524770B}">
-      <p188:commentRel xmlns="" xmlns:p188="http://schemas.microsoft.com/office/powerpoint/2018/8/main" r:id="rId12"/>
+      <p188:commentRel xmlns:p188="http://schemas.microsoft.com/office/powerpoint/2018/8/main" r:id="rId2"/>
     </p:ext>
   </p:extLst>
 </p:sld>
